--- a/documentation/Sprint 2 powerpoint.pptx
+++ b/documentation/Sprint 2 powerpoint.pptx
@@ -209,7 +209,7 @@
           <a:p>
             <a:fld id="{D8DE8356-FFDA-4E74-B804-79023C7DD259}" type="datetimeFigureOut">
               <a:rPr lang="en-US" smtClean="0"/>
-              <a:t>3/26/2018</a:t>
+              <a:t>3/27/2018</a:t>
             </a:fld>
             <a:endParaRPr lang="en-US"/>
           </a:p>
@@ -374,7 +374,7 @@
           <a:p>
             <a:fld id="{B43DDCE7-616C-4285-A468-7301F171BC93}" type="datetimeFigureOut">
               <a:rPr lang="en-US" smtClean="0"/>
-              <a:t>3/26/2018</a:t>
+              <a:t>3/27/2018</a:t>
             </a:fld>
             <a:endParaRPr lang="en-US"/>
           </a:p>
@@ -935,7 +935,7 @@
           <a:p>
             <a:fld id="{3762EC29-B8C5-4C7A-B6DA-418494D5CB21}" type="datetimeFigureOut">
               <a:rPr lang="en-US" smtClean="0"/>
-              <a:t>3/26/2018</a:t>
+              <a:t>3/27/2018</a:t>
             </a:fld>
             <a:endParaRPr lang="en-US"/>
           </a:p>
@@ -1128,7 +1128,7 @@
           <a:p>
             <a:fld id="{3762EC29-B8C5-4C7A-B6DA-418494D5CB21}" type="datetimeFigureOut">
               <a:rPr lang="en-US" smtClean="0"/>
-              <a:t>3/26/2018</a:t>
+              <a:t>3/27/2018</a:t>
             </a:fld>
             <a:endParaRPr lang="en-US"/>
           </a:p>
@@ -1311,7 +1311,7 @@
           <a:p>
             <a:fld id="{3762EC29-B8C5-4C7A-B6DA-418494D5CB21}" type="datetimeFigureOut">
               <a:rPr lang="en-US" smtClean="0"/>
-              <a:t>3/26/2018</a:t>
+              <a:t>3/27/2018</a:t>
             </a:fld>
             <a:endParaRPr lang="en-US"/>
           </a:p>
@@ -1576,7 +1576,7 @@
           <a:p>
             <a:fld id="{3762EC29-B8C5-4C7A-B6DA-418494D5CB21}" type="datetimeFigureOut">
               <a:rPr lang="en-US" smtClean="0"/>
-              <a:t>3/26/2018</a:t>
+              <a:t>3/27/2018</a:t>
             </a:fld>
             <a:endParaRPr lang="en-US"/>
           </a:p>
@@ -1820,7 +1820,7 @@
           <a:p>
             <a:fld id="{3762EC29-B8C5-4C7A-B6DA-418494D5CB21}" type="datetimeFigureOut">
               <a:rPr lang="en-US" smtClean="0"/>
-              <a:t>3/26/2018</a:t>
+              <a:t>3/27/2018</a:t>
             </a:fld>
             <a:endParaRPr lang="en-US"/>
           </a:p>
@@ -2208,7 +2208,7 @@
           <a:p>
             <a:fld id="{3762EC29-B8C5-4C7A-B6DA-418494D5CB21}" type="datetimeFigureOut">
               <a:rPr lang="en-US" smtClean="0"/>
-              <a:t>3/26/2018</a:t>
+              <a:t>3/27/2018</a:t>
             </a:fld>
             <a:endParaRPr lang="en-US"/>
           </a:p>
@@ -2340,7 +2340,7 @@
           <a:p>
             <a:fld id="{3762EC29-B8C5-4C7A-B6DA-418494D5CB21}" type="datetimeFigureOut">
               <a:rPr lang="en-US" smtClean="0"/>
-              <a:t>3/26/2018</a:t>
+              <a:t>3/27/2018</a:t>
             </a:fld>
             <a:endParaRPr lang="en-US"/>
           </a:p>
@@ -2450,7 +2450,7 @@
           <a:p>
             <a:fld id="{3762EC29-B8C5-4C7A-B6DA-418494D5CB21}" type="datetimeFigureOut">
               <a:rPr lang="en-US" smtClean="0"/>
-              <a:t>3/26/2018</a:t>
+              <a:t>3/27/2018</a:t>
             </a:fld>
             <a:endParaRPr lang="en-US"/>
           </a:p>
@@ -3247,7 +3247,7 @@
             <a:fld id="{3762EC29-B8C5-4C7A-B6DA-418494D5CB21}" type="datetimeFigureOut">
               <a:rPr lang="en-US" smtClean="0"/>
               <a:pPr/>
-              <a:t>3/26/2018</a:t>
+              <a:t>3/27/2018</a:t>
             </a:fld>
             <a:endParaRPr lang="en-US"/>
           </a:p>
@@ -4225,7 +4225,7 @@
           <p:nvPr>
             <p:extLst>
               <p:ext uri="{D42A27DB-BD31-4B8C-83A1-F6EECF244321}">
-                <p14:modId xmlns:p14="http://schemas.microsoft.com/office/powerpoint/2010/main" val="2430565039"/>
+                <p14:modId xmlns:p14="http://schemas.microsoft.com/office/powerpoint/2010/main" val="3103699524"/>
               </p:ext>
             </p:extLst>
           </p:nvPr>
@@ -5172,12 +5172,15 @@
                         </a:spcAft>
                       </a:pPr>
                       <a:r>
-                        <a:rPr lang="en-US" sz="1600">
+                        <a:rPr lang="en-US" sz="1600" b="1" dirty="0">
                           <a:effectLst/>
+                          <a:latin typeface="Calibri" panose="020F0502020204030204" pitchFamily="34" charset="0"/>
+                          <a:ea typeface="Calibri" panose="020F0502020204030204" pitchFamily="34" charset="0"/>
+                          <a:cs typeface="Times New Roman" panose="02020603050405020304" pitchFamily="18" charset="0"/>
                         </a:rPr>
-                        <a:t>N</a:t>
+                        <a:t>Y</a:t>
                       </a:r>
-                      <a:endParaRPr lang="en-US" sz="1400">
+                      <a:endParaRPr lang="en-US" sz="1400" b="1" dirty="0">
                         <a:effectLst/>
                         <a:latin typeface="Calibri" panose="020F0502020204030204" pitchFamily="34" charset="0"/>
                         <a:ea typeface="Calibri" panose="020F0502020204030204" pitchFamily="34" charset="0"/>
@@ -7042,7 +7045,38 @@
           <a:lstStyle/>
           <a:p>
             <a:pPr fontAlgn="base"/>
-            <a:endParaRPr lang="en-US" dirty="0"/>
+            <a:r>
+              <a:rPr lang="en-US" dirty="0"/>
+              <a:t>Paired Programming</a:t>
+            </a:r>
+          </a:p>
+          <a:p>
+            <a:pPr fontAlgn="base"/>
+            <a:r>
+              <a:rPr lang="en-US" dirty="0"/>
+              <a:t>Semi Daily Scrums-more often then Sprint 1</a:t>
+            </a:r>
+          </a:p>
+          <a:p>
+            <a:pPr fontAlgn="base"/>
+            <a:r>
+              <a:rPr lang="en-US" dirty="0"/>
+              <a:t>Spring Break</a:t>
+            </a:r>
+          </a:p>
+          <a:p>
+            <a:pPr fontAlgn="base"/>
+            <a:r>
+              <a:rPr lang="en-US" dirty="0"/>
+              <a:t>Optimistic about future</a:t>
+            </a:r>
+          </a:p>
+          <a:p>
+            <a:pPr fontAlgn="base"/>
+            <a:r>
+              <a:rPr lang="en-US" dirty="0"/>
+              <a:t>Goals for next Sprint are refinement and testing</a:t>
+            </a:r>
           </a:p>
           <a:p>
             <a:pPr fontAlgn="base"/>
@@ -7679,6 +7713,26 @@
 </file>
 
 <file path=customXml/item1.xml><?xml version="1.0" encoding="utf-8"?>
+<p:properties xmlns:p="http://schemas.microsoft.com/office/2006/metadata/properties" xmlns:xsi="http://www.w3.org/2001/XMLSchema-instance" xmlns:pc="http://schemas.microsoft.com/office/infopath/2007/PartnerControls">
+  <documentManagement>
+    <VSO_x0020_item_x0020_id xmlns="40262f94-9f35-4ac3-9a90-690165a166b7" xsi:nil="true"/>
+    <Assetid_x0020_ xmlns="40262f94-9f35-4ac3-9a90-690165a166b7" xsi:nil="true"/>
+    <Item_x0020_Details xmlns="40262f94-9f35-4ac3-9a90-690165a166b7" xsi:nil="true"/>
+    <Template_x0020_details xmlns="40262f94-9f35-4ac3-9a90-690165a166b7" xsi:nil="true"/>
+  </documentManagement>
+</p:properties>
+</file>
+
+<file path=customXml/item2.xml><?xml version="1.0" encoding="utf-8"?>
+<?mso-contentType ?>
+<FormTemplates xmlns="http://schemas.microsoft.com/sharepoint/v3/contenttype/forms">
+  <Display>DocumentLibraryForm</Display>
+  <Edit>DocumentLibraryForm</Edit>
+  <New>DocumentLibraryForm</New>
+</FormTemplates>
+</file>
+
+<file path=customXml/item3.xml><?xml version="1.0" encoding="utf-8"?>
 <ct:contentTypeSchema xmlns:ct="http://schemas.microsoft.com/office/2006/metadata/contentType" xmlns:ma="http://schemas.microsoft.com/office/2006/metadata/properties/metaAttributes" ct:_="" ma:_="" ma:contentTypeName="Document" ma:contentTypeID="0x010100AA3F7D94069FF64A86F7DFF56D60E3BE" ma:contentTypeVersion="6" ma:contentTypeDescription="Create a new document." ma:contentTypeScope="" ma:versionID="c32302c77d4085ecf495bdddb7f5e889">
   <xsd:schema xmlns:xsd="http://www.w3.org/2001/XMLSchema" xmlns:xs="http://www.w3.org/2001/XMLSchema" xmlns:p="http://schemas.microsoft.com/office/2006/metadata/properties" xmlns:ns2="a4f35948-e619-41b3-aa29-22878b09cfd2" xmlns:ns3="40262f94-9f35-4ac3-9a90-690165a166b7" targetNamespace="http://schemas.microsoft.com/office/2006/metadata/properties" ma:root="true" ma:fieldsID="4ab5ae46be95f9d0be6107e8200be7a2" ns2:_="" ns3:_="">
     <xsd:import namespace="a4f35948-e619-41b3-aa29-22878b09cfd2"/>
@@ -7859,27 +7913,32 @@
 </ct:contentTypeSchema>
 </file>
 
-<file path=customXml/item2.xml><?xml version="1.0" encoding="utf-8"?>
-<?mso-contentType ?>
-<FormTemplates xmlns="http://schemas.microsoft.com/sharepoint/v3/contenttype/forms">
-  <Display>DocumentLibraryForm</Display>
-  <Edit>DocumentLibraryForm</Edit>
-  <New>DocumentLibraryForm</New>
-</FormTemplates>
+<file path=customXml/itemProps1.xml><?xml version="1.0" encoding="utf-8"?>
+<ds:datastoreItem xmlns:ds="http://schemas.openxmlformats.org/officeDocument/2006/customXml" ds:itemID="{91DDEFBA-1D7E-4587-9763-EBF5A6740E9A}">
+  <ds:schemaRefs>
+    <ds:schemaRef ds:uri="http://schemas.openxmlformats.org/package/2006/metadata/core-properties"/>
+    <ds:schemaRef ds:uri="http://purl.org/dc/elements/1.1/"/>
+    <ds:schemaRef ds:uri="a4f35948-e619-41b3-aa29-22878b09cfd2"/>
+    <ds:schemaRef ds:uri="http://schemas.microsoft.com/office/infopath/2007/PartnerControls"/>
+    <ds:schemaRef ds:uri="http://purl.org/dc/terms/"/>
+    <ds:schemaRef ds:uri="40262f94-9f35-4ac3-9a90-690165a166b7"/>
+    <ds:schemaRef ds:uri="http://schemas.microsoft.com/office/2006/documentManagement/types"/>
+    <ds:schemaRef ds:uri="http://schemas.microsoft.com/office/2006/metadata/properties"/>
+    <ds:schemaRef ds:uri="http://www.w3.org/XML/1998/namespace"/>
+    <ds:schemaRef ds:uri="http://purl.org/dc/dcmitype/"/>
+  </ds:schemaRefs>
+</ds:datastoreItem>
 </file>
 
-<file path=customXml/item3.xml><?xml version="1.0" encoding="utf-8"?>
-<p:properties xmlns:p="http://schemas.microsoft.com/office/2006/metadata/properties" xmlns:xsi="http://www.w3.org/2001/XMLSchema-instance" xmlns:pc="http://schemas.microsoft.com/office/infopath/2007/PartnerControls">
-  <documentManagement>
-    <VSO_x0020_item_x0020_id xmlns="40262f94-9f35-4ac3-9a90-690165a166b7" xsi:nil="true"/>
-    <Assetid_x0020_ xmlns="40262f94-9f35-4ac3-9a90-690165a166b7" xsi:nil="true"/>
-    <Item_x0020_Details xmlns="40262f94-9f35-4ac3-9a90-690165a166b7" xsi:nil="true"/>
-    <Template_x0020_details xmlns="40262f94-9f35-4ac3-9a90-690165a166b7" xsi:nil="true"/>
-  </documentManagement>
-</p:properties>
+<file path=customXml/itemProps2.xml><?xml version="1.0" encoding="utf-8"?>
+<ds:datastoreItem xmlns:ds="http://schemas.openxmlformats.org/officeDocument/2006/customXml" ds:itemID="{48E42578-9CD4-4AFF-AA5E-F33052F6B6A6}">
+  <ds:schemaRefs>
+    <ds:schemaRef ds:uri="http://schemas.microsoft.com/sharepoint/v3/contenttype/forms"/>
+  </ds:schemaRefs>
+</ds:datastoreItem>
 </file>
 
-<file path=customXml/itemProps1.xml><?xml version="1.0" encoding="utf-8"?>
+<file path=customXml/itemProps3.xml><?xml version="1.0" encoding="utf-8"?>
 <ds:datastoreItem xmlns:ds="http://schemas.openxmlformats.org/officeDocument/2006/customXml" ds:itemID="{5D30E8E9-C5F6-40D8-943C-DA5B4196A643}">
   <ds:schemaRefs>
     <ds:schemaRef ds:uri="http://schemas.microsoft.com/office/2006/metadata/contentType"/>
@@ -7896,29 +7955,4 @@
     <ds:schemaRef ds:uri="http://schemas.microsoft.com/internal/obd"/>
   </ds:schemaRefs>
 </ds:datastoreItem>
-</file>
-
-<file path=customXml/itemProps2.xml><?xml version="1.0" encoding="utf-8"?>
-<ds:datastoreItem xmlns:ds="http://schemas.openxmlformats.org/officeDocument/2006/customXml" ds:itemID="{48E42578-9CD4-4AFF-AA5E-F33052F6B6A6}">
-  <ds:schemaRefs>
-    <ds:schemaRef ds:uri="http://schemas.microsoft.com/sharepoint/v3/contenttype/forms"/>
-  </ds:schemaRefs>
-</ds:datastoreItem>
-</file>
-
-<file path=customXml/itemProps3.xml><?xml version="1.0" encoding="utf-8"?>
-<ds:datastoreItem xmlns:ds="http://schemas.openxmlformats.org/officeDocument/2006/customXml" ds:itemID="{91DDEFBA-1D7E-4587-9763-EBF5A6740E9A}">
-  <ds:schemaRefs>
-    <ds:schemaRef ds:uri="http://schemas.openxmlformats.org/package/2006/metadata/core-properties"/>
-    <ds:schemaRef ds:uri="http://purl.org/dc/elements/1.1/"/>
-    <ds:schemaRef ds:uri="a4f35948-e619-41b3-aa29-22878b09cfd2"/>
-    <ds:schemaRef ds:uri="http://schemas.microsoft.com/office/infopath/2007/PartnerControls"/>
-    <ds:schemaRef ds:uri="http://purl.org/dc/terms/"/>
-    <ds:schemaRef ds:uri="40262f94-9f35-4ac3-9a90-690165a166b7"/>
-    <ds:schemaRef ds:uri="http://schemas.microsoft.com/office/2006/documentManagement/types"/>
-    <ds:schemaRef ds:uri="http://schemas.microsoft.com/office/2006/metadata/properties"/>
-    <ds:schemaRef ds:uri="http://www.w3.org/XML/1998/namespace"/>
-    <ds:schemaRef ds:uri="http://purl.org/dc/dcmitype/"/>
-  </ds:schemaRefs>
-</ds:datastoreItem>
 </file>